--- a/広島校高松校合同チーム/文書関連/企画書兼仕様書.pptx
+++ b/広島校高松校合同チーム/文書関連/企画書兼仕様書.pptx
@@ -6541,7 +6541,11 @@
             </a:pPr>
             <a:r>
               <a:rPr kumimoji="1" lang="ja-JP" altLang="en-US" dirty="0" smtClean="0"/>
-              <a:t>③エネミー３：弓</a:t>
+              <a:t>③エネミー３</a:t>
+            </a:r>
+            <a:r>
+              <a:rPr kumimoji="1" lang="ja-JP" altLang="en-US" dirty="0" smtClean="0"/>
+              <a:t>：銃</a:t>
             </a:r>
             <a:endParaRPr kumimoji="1" lang="en-US" altLang="ja-JP" dirty="0" smtClean="0"/>
           </a:p>
